--- a/Doc/PRESENTATION.pptx
+++ b/Doc/PRESENTATION.pptx
@@ -300,7 +300,7 @@
           <a:p>
             <a:fld id="{48A87A34-81AB-432B-8DAE-1953F412C126}" type="datetimeFigureOut">
               <a:rPr lang="en-US" dirty="0"/>
-              <a:t>08/09/2018</a:t>
+              <a:t>08/11/2018</a:t>
             </a:fld>
             <a:endParaRPr lang="en-US" dirty="0"/>
           </a:p>
@@ -610,7 +610,7 @@
           <a:p>
             <a:fld id="{48A87A34-81AB-432B-8DAE-1953F412C126}" type="datetimeFigureOut">
               <a:rPr lang="en-US" dirty="0"/>
-              <a:t>08/09/2018</a:t>
+              <a:t>08/11/2018</a:t>
             </a:fld>
             <a:endParaRPr lang="en-US" dirty="0"/>
           </a:p>
@@ -827,7 +827,7 @@
           <a:p>
             <a:fld id="{48A87A34-81AB-432B-8DAE-1953F412C126}" type="datetimeFigureOut">
               <a:rPr lang="en-US" dirty="0"/>
-              <a:t>08/09/2018</a:t>
+              <a:t>08/11/2018</a:t>
             </a:fld>
             <a:endParaRPr lang="en-US" dirty="0"/>
           </a:p>
@@ -1113,7 +1113,7 @@
           <a:p>
             <a:fld id="{48A87A34-81AB-432B-8DAE-1953F412C126}" type="datetimeFigureOut">
               <a:rPr lang="en-US" dirty="0"/>
-              <a:t>08/09/2018</a:t>
+              <a:t>08/11/2018</a:t>
             </a:fld>
             <a:endParaRPr lang="en-US" dirty="0"/>
           </a:p>
@@ -1562,7 +1562,7 @@
           <a:p>
             <a:fld id="{48A87A34-81AB-432B-8DAE-1953F412C126}" type="datetimeFigureOut">
               <a:rPr lang="en-US" dirty="0"/>
-              <a:t>08/09/2018</a:t>
+              <a:t>08/11/2018</a:t>
             </a:fld>
             <a:endParaRPr lang="en-US" dirty="0"/>
           </a:p>
@@ -2133,7 +2133,7 @@
           <a:p>
             <a:fld id="{48A87A34-81AB-432B-8DAE-1953F412C126}" type="datetimeFigureOut">
               <a:rPr lang="en-US" dirty="0"/>
-              <a:t>08/09/2018</a:t>
+              <a:t>08/11/2018</a:t>
             </a:fld>
             <a:endParaRPr lang="en-US" dirty="0"/>
           </a:p>
@@ -2989,7 +2989,7 @@
           <a:p>
             <a:fld id="{48A87A34-81AB-432B-8DAE-1953F412C126}" type="datetimeFigureOut">
               <a:rPr lang="en-US" dirty="0"/>
-              <a:t>08/09/2018</a:t>
+              <a:t>08/11/2018</a:t>
             </a:fld>
             <a:endParaRPr lang="en-US" dirty="0"/>
           </a:p>
@@ -3189,7 +3189,7 @@
           <a:p>
             <a:fld id="{48A87A34-81AB-432B-8DAE-1953F412C126}" type="datetimeFigureOut">
               <a:rPr lang="en-US" dirty="0"/>
-              <a:t>08/09/2018</a:t>
+              <a:t>08/11/2018</a:t>
             </a:fld>
             <a:endParaRPr lang="en-US" dirty="0"/>
           </a:p>
@@ -3398,7 +3398,7 @@
           <a:p>
             <a:fld id="{48A87A34-81AB-432B-8DAE-1953F412C126}" type="datetimeFigureOut">
               <a:rPr lang="en-US" dirty="0"/>
-              <a:t>08/09/2018</a:t>
+              <a:t>08/11/2018</a:t>
             </a:fld>
             <a:endParaRPr lang="en-US" dirty="0"/>
           </a:p>
@@ -3598,7 +3598,7 @@
           <a:p>
             <a:fld id="{48A87A34-81AB-432B-8DAE-1953F412C126}" type="datetimeFigureOut">
               <a:rPr lang="en-US" dirty="0"/>
-              <a:t>08/09/2018</a:t>
+              <a:t>08/11/2018</a:t>
             </a:fld>
             <a:endParaRPr lang="en-US" dirty="0"/>
           </a:p>
@@ -3873,7 +3873,7 @@
           <a:p>
             <a:fld id="{48A87A34-81AB-432B-8DAE-1953F412C126}" type="datetimeFigureOut">
               <a:rPr lang="en-US" dirty="0"/>
-              <a:t>08/09/2018</a:t>
+              <a:t>08/11/2018</a:t>
             </a:fld>
             <a:endParaRPr lang="en-US" dirty="0"/>
           </a:p>
@@ -4135,7 +4135,7 @@
           <a:p>
             <a:fld id="{48A87A34-81AB-432B-8DAE-1953F412C126}" type="datetimeFigureOut">
               <a:rPr lang="en-US" dirty="0"/>
-              <a:t>08/09/2018</a:t>
+              <a:t>08/11/2018</a:t>
             </a:fld>
             <a:endParaRPr lang="en-US" dirty="0"/>
           </a:p>
@@ -4545,7 +4545,7 @@
           <a:p>
             <a:fld id="{48A87A34-81AB-432B-8DAE-1953F412C126}" type="datetimeFigureOut">
               <a:rPr lang="en-US" dirty="0"/>
-              <a:t>08/09/2018</a:t>
+              <a:t>08/11/2018</a:t>
             </a:fld>
             <a:endParaRPr lang="en-US" dirty="0"/>
           </a:p>
@@ -4688,7 +4688,7 @@
           <a:p>
             <a:fld id="{48A87A34-81AB-432B-8DAE-1953F412C126}" type="datetimeFigureOut">
               <a:rPr lang="en-US" dirty="0"/>
-              <a:t>08/09/2018</a:t>
+              <a:t>08/11/2018</a:t>
             </a:fld>
             <a:endParaRPr lang="en-US" dirty="0"/>
           </a:p>
@@ -4808,7 +4808,7 @@
           <a:p>
             <a:fld id="{48A87A34-81AB-432B-8DAE-1953F412C126}" type="datetimeFigureOut">
               <a:rPr lang="en-US" dirty="0"/>
-              <a:t>08/09/2018</a:t>
+              <a:t>08/11/2018</a:t>
             </a:fld>
             <a:endParaRPr lang="en-US" dirty="0"/>
           </a:p>
@@ -5082,7 +5082,7 @@
           <a:p>
             <a:fld id="{48A87A34-81AB-432B-8DAE-1953F412C126}" type="datetimeFigureOut">
               <a:rPr lang="en-US" dirty="0"/>
-              <a:t>08/09/2018</a:t>
+              <a:t>08/11/2018</a:t>
             </a:fld>
             <a:endParaRPr lang="en-US" dirty="0"/>
           </a:p>
@@ -5392,7 +5392,7 @@
           <a:p>
             <a:fld id="{48A87A34-81AB-432B-8DAE-1953F412C126}" type="datetimeFigureOut">
               <a:rPr lang="en-US" dirty="0"/>
-              <a:t>08/09/2018</a:t>
+              <a:t>08/11/2018</a:t>
             </a:fld>
             <a:endParaRPr lang="en-US" dirty="0"/>
           </a:p>
@@ -5641,7 +5641,7 @@
             <a:fld id="{48A87A34-81AB-432B-8DAE-1953F412C126}" type="datetimeFigureOut">
               <a:rPr lang="en-US" dirty="0"/>
               <a:pPr/>
-              <a:t>08/09/2018</a:t>
+              <a:t>08/11/2018</a:t>
             </a:fld>
             <a:endParaRPr lang="en-US" dirty="0"/>
           </a:p>
